--- a/design/ppt/演示2.pptx
+++ b/design/ppt/演示2.pptx
@@ -828,7 +828,7 @@
           <a:noFill/>
           <a:extLst>
             <a:ext uri="{909E8E84-426E-40dd-AFC4-6F175D3DCCD1}">
-              <a14:hiddenFill xmlns:a14="http://schemas.microsoft.com/office/drawing/2010/main" xmlns="">
+              <a14:hiddenFill xmlns="" xmlns:a14="http://schemas.microsoft.com/office/drawing/2010/main">
                 <a:solidFill>
                   <a:srgbClr val="FFFFFF"/>
                 </a:solidFill>
@@ -887,7 +887,7 @@
             </a:ln>
             <a:extLst>
               <a:ext uri="{91240B29-F687-4f45-9708-019B960494DF}">
-                <a14:hiddenLine xmlns:a14="http://schemas.microsoft.com/office/drawing/2010/main" xmlns="" w="9525">
+                <a14:hiddenLine xmlns="" xmlns:a14="http://schemas.microsoft.com/office/drawing/2010/main" w="9525">
                   <a:solidFill>
                     <a:srgbClr val="000000"/>
                   </a:solidFill>
@@ -977,7 +977,7 @@
             </a:ln>
             <a:extLst>
               <a:ext uri="{91240B29-F687-4f45-9708-019B960494DF}">
-                <a14:hiddenLine xmlns:a14="http://schemas.microsoft.com/office/drawing/2010/main" xmlns="" w="9525">
+                <a14:hiddenLine xmlns="" xmlns:a14="http://schemas.microsoft.com/office/drawing/2010/main" w="9525">
                   <a:solidFill>
                     <a:srgbClr val="000000"/>
                   </a:solidFill>
@@ -1067,7 +1067,7 @@
             </a:ln>
             <a:extLst>
               <a:ext uri="{91240B29-F687-4f45-9708-019B960494DF}">
-                <a14:hiddenLine xmlns:a14="http://schemas.microsoft.com/office/drawing/2010/main" xmlns="" w="9525">
+                <a14:hiddenLine xmlns="" xmlns:a14="http://schemas.microsoft.com/office/drawing/2010/main" w="9525">
                   <a:solidFill>
                     <a:srgbClr val="000000"/>
                   </a:solidFill>
@@ -1101,7 +1101,7 @@
             </a:ln>
             <a:extLst>
               <a:ext uri="{91240B29-F687-4f45-9708-019B960494DF}">
-                <a14:hiddenLine xmlns:a14="http://schemas.microsoft.com/office/drawing/2010/main" xmlns="" w="9525">
+                <a14:hiddenLine xmlns="" xmlns:a14="http://schemas.microsoft.com/office/drawing/2010/main" w="9525">
                   <a:solidFill>
                     <a:srgbClr val="000000"/>
                   </a:solidFill>
@@ -1191,7 +1191,7 @@
             </a:ln>
             <a:extLst>
               <a:ext uri="{91240B29-F687-4f45-9708-019B960494DF}">
-                <a14:hiddenLine xmlns:a14="http://schemas.microsoft.com/office/drawing/2010/main" xmlns="" w="9525">
+                <a14:hiddenLine xmlns="" xmlns:a14="http://schemas.microsoft.com/office/drawing/2010/main" w="9525">
                   <a:solidFill>
                     <a:srgbClr val="000000"/>
                   </a:solidFill>
@@ -1253,7 +1253,7 @@
             </a:ln>
             <a:extLst>
               <a:ext uri="{91240B29-F687-4f45-9708-019B960494DF}">
-                <a14:hiddenLine xmlns:a14="http://schemas.microsoft.com/office/drawing/2010/main" xmlns="" w="9525">
+                <a14:hiddenLine xmlns="" xmlns:a14="http://schemas.microsoft.com/office/drawing/2010/main" w="9525">
                   <a:solidFill>
                     <a:srgbClr val="000000"/>
                   </a:solidFill>
@@ -1315,7 +1315,7 @@
             </a:ln>
             <a:extLst>
               <a:ext uri="{91240B29-F687-4f45-9708-019B960494DF}">
-                <a14:hiddenLine xmlns:a14="http://schemas.microsoft.com/office/drawing/2010/main" xmlns="" w="9525">
+                <a14:hiddenLine xmlns="" xmlns:a14="http://schemas.microsoft.com/office/drawing/2010/main" w="9525">
                   <a:solidFill>
                     <a:srgbClr val="000000"/>
                   </a:solidFill>
@@ -1405,7 +1405,7 @@
             </a:ln>
             <a:extLst>
               <a:ext uri="{91240B29-F687-4f45-9708-019B960494DF}">
-                <a14:hiddenLine xmlns:a14="http://schemas.microsoft.com/office/drawing/2010/main" xmlns="" w="9525">
+                <a14:hiddenLine xmlns="" xmlns:a14="http://schemas.microsoft.com/office/drawing/2010/main" w="9525">
                   <a:solidFill>
                     <a:srgbClr val="000000"/>
                   </a:solidFill>
@@ -1467,7 +1467,7 @@
             </a:ln>
             <a:extLst>
               <a:ext uri="{91240B29-F687-4f45-9708-019B960494DF}">
-                <a14:hiddenLine xmlns:a14="http://schemas.microsoft.com/office/drawing/2010/main" xmlns="" w="9525">
+                <a14:hiddenLine xmlns="" xmlns:a14="http://schemas.microsoft.com/office/drawing/2010/main" w="9525">
                   <a:solidFill>
                     <a:srgbClr val="000000"/>
                   </a:solidFill>
@@ -1529,7 +1529,7 @@
             </a:ln>
             <a:extLst>
               <a:ext uri="{91240B29-F687-4f45-9708-019B960494DF}">
-                <a14:hiddenLine xmlns:a14="http://schemas.microsoft.com/office/drawing/2010/main" xmlns="" w="9525">
+                <a14:hiddenLine xmlns="" xmlns:a14="http://schemas.microsoft.com/office/drawing/2010/main" w="9525">
                   <a:solidFill>
                     <a:srgbClr val="000000"/>
                   </a:solidFill>
@@ -1619,7 +1619,7 @@
             </a:ln>
             <a:extLst>
               <a:ext uri="{91240B29-F687-4f45-9708-019B960494DF}">
-                <a14:hiddenLine xmlns:a14="http://schemas.microsoft.com/office/drawing/2010/main" xmlns="" w="9525">
+                <a14:hiddenLine xmlns="" xmlns:a14="http://schemas.microsoft.com/office/drawing/2010/main" w="9525">
                   <a:solidFill>
                     <a:srgbClr val="000000"/>
                   </a:solidFill>
@@ -1709,7 +1709,7 @@
             </a:ln>
             <a:extLst>
               <a:ext uri="{91240B29-F687-4f45-9708-019B960494DF}">
-                <a14:hiddenLine xmlns:a14="http://schemas.microsoft.com/office/drawing/2010/main" xmlns="" w="9525">
+                <a14:hiddenLine xmlns="" xmlns:a14="http://schemas.microsoft.com/office/drawing/2010/main" w="9525">
                   <a:solidFill>
                     <a:srgbClr val="000000"/>
                   </a:solidFill>
@@ -1771,7 +1771,7 @@
             </a:ln>
             <a:extLst>
               <a:ext uri="{91240B29-F687-4f45-9708-019B960494DF}">
-                <a14:hiddenLine xmlns:a14="http://schemas.microsoft.com/office/drawing/2010/main" xmlns="" w="9525">
+                <a14:hiddenLine xmlns="" xmlns:a14="http://schemas.microsoft.com/office/drawing/2010/main" w="9525">
                   <a:solidFill>
                     <a:srgbClr val="000000"/>
                   </a:solidFill>
@@ -1881,7 +1881,7 @@
             </a:ln>
             <a:extLst>
               <a:ext uri="{91240B29-F687-4f45-9708-019B960494DF}">
-                <a14:hiddenLine xmlns:a14="http://schemas.microsoft.com/office/drawing/2010/main" xmlns="" w="9525">
+                <a14:hiddenLine xmlns="" xmlns:a14="http://schemas.microsoft.com/office/drawing/2010/main" w="9525">
                   <a:solidFill>
                     <a:srgbClr val="000000"/>
                   </a:solidFill>
@@ -1943,7 +1943,7 @@
             </a:ln>
             <a:extLst>
               <a:ext uri="{91240B29-F687-4f45-9708-019B960494DF}">
-                <a14:hiddenLine xmlns:a14="http://schemas.microsoft.com/office/drawing/2010/main" xmlns="" w="9525">
+                <a14:hiddenLine xmlns="" xmlns:a14="http://schemas.microsoft.com/office/drawing/2010/main" w="9525">
                   <a:solidFill>
                     <a:srgbClr val="000000"/>
                   </a:solidFill>
@@ -2033,7 +2033,7 @@
             </a:ln>
             <a:extLst>
               <a:ext uri="{91240B29-F687-4f45-9708-019B960494DF}">
-                <a14:hiddenLine xmlns:a14="http://schemas.microsoft.com/office/drawing/2010/main" xmlns="" w="9525">
+                <a14:hiddenLine xmlns="" xmlns:a14="http://schemas.microsoft.com/office/drawing/2010/main" w="9525">
                   <a:solidFill>
                     <a:srgbClr val="000000"/>
                   </a:solidFill>
@@ -2123,7 +2123,7 @@
             </a:ln>
             <a:extLst>
               <a:ext uri="{91240B29-F687-4f45-9708-019B960494DF}">
-                <a14:hiddenLine xmlns:a14="http://schemas.microsoft.com/office/drawing/2010/main" xmlns="" w="9525">
+                <a14:hiddenLine xmlns="" xmlns:a14="http://schemas.microsoft.com/office/drawing/2010/main" w="9525">
                   <a:solidFill>
                     <a:srgbClr val="000000"/>
                   </a:solidFill>
@@ -2185,7 +2185,7 @@
             </a:ln>
             <a:extLst>
               <a:ext uri="{91240B29-F687-4f45-9708-019B960494DF}">
-                <a14:hiddenLine xmlns:a14="http://schemas.microsoft.com/office/drawing/2010/main" xmlns="" w="9525">
+                <a14:hiddenLine xmlns="" xmlns:a14="http://schemas.microsoft.com/office/drawing/2010/main" w="9525">
                   <a:solidFill>
                     <a:srgbClr val="000000"/>
                   </a:solidFill>
@@ -2275,7 +2275,7 @@
             </a:ln>
             <a:extLst>
               <a:ext uri="{91240B29-F687-4f45-9708-019B960494DF}">
-                <a14:hiddenLine xmlns:a14="http://schemas.microsoft.com/office/drawing/2010/main" xmlns="" w="9525">
+                <a14:hiddenLine xmlns="" xmlns:a14="http://schemas.microsoft.com/office/drawing/2010/main" w="9525">
                   <a:solidFill>
                     <a:srgbClr val="000000"/>
                   </a:solidFill>
@@ -2365,7 +2365,7 @@
             </a:ln>
             <a:extLst>
               <a:ext uri="{91240B29-F687-4f45-9708-019B960494DF}">
-                <a14:hiddenLine xmlns:a14="http://schemas.microsoft.com/office/drawing/2010/main" xmlns="" w="9525">
+                <a14:hiddenLine xmlns="" xmlns:a14="http://schemas.microsoft.com/office/drawing/2010/main" w="9525">
                   <a:solidFill>
                     <a:srgbClr val="000000"/>
                   </a:solidFill>
@@ -2421,7 +2421,7 @@
             </a:ln>
             <a:extLst>
               <a:ext uri="{91240B29-F687-4f45-9708-019B960494DF}">
-                <a14:hiddenLine xmlns:a14="http://schemas.microsoft.com/office/drawing/2010/main" xmlns="" w="9525">
+                <a14:hiddenLine xmlns="" xmlns:a14="http://schemas.microsoft.com/office/drawing/2010/main" w="9525">
                   <a:solidFill>
                     <a:srgbClr val="000000"/>
                   </a:solidFill>
@@ -2511,7 +2511,7 @@
             </a:ln>
             <a:extLst>
               <a:ext uri="{91240B29-F687-4f45-9708-019B960494DF}">
-                <a14:hiddenLine xmlns:a14="http://schemas.microsoft.com/office/drawing/2010/main" xmlns="" w="9525">
+                <a14:hiddenLine xmlns="" xmlns:a14="http://schemas.microsoft.com/office/drawing/2010/main" w="9525">
                   <a:solidFill>
                     <a:srgbClr val="000000"/>
                   </a:solidFill>
@@ -2567,7 +2567,7 @@
             </a:ln>
             <a:extLst>
               <a:ext uri="{91240B29-F687-4f45-9708-019B960494DF}">
-                <a14:hiddenLine xmlns:a14="http://schemas.microsoft.com/office/drawing/2010/main" xmlns="" w="9525">
+                <a14:hiddenLine xmlns="" xmlns:a14="http://schemas.microsoft.com/office/drawing/2010/main" w="9525">
                   <a:solidFill>
                     <a:srgbClr val="000000"/>
                   </a:solidFill>
@@ -2657,7 +2657,7 @@
             </a:ln>
             <a:extLst>
               <a:ext uri="{91240B29-F687-4f45-9708-019B960494DF}">
-                <a14:hiddenLine xmlns:a14="http://schemas.microsoft.com/office/drawing/2010/main" xmlns="" w="9525">
+                <a14:hiddenLine xmlns="" xmlns:a14="http://schemas.microsoft.com/office/drawing/2010/main" w="9525">
                   <a:solidFill>
                     <a:srgbClr val="000000"/>
                   </a:solidFill>
@@ -2725,7 +2725,7 @@
             </a:ln>
             <a:extLst>
               <a:ext uri="{91240B29-F687-4f45-9708-019B960494DF}">
-                <a14:hiddenLine xmlns:a14="http://schemas.microsoft.com/office/drawing/2010/main" xmlns="" w="9525">
+                <a14:hiddenLine xmlns="" xmlns:a14="http://schemas.microsoft.com/office/drawing/2010/main" w="9525">
                   <a:solidFill>
                     <a:srgbClr val="000000"/>
                   </a:solidFill>
@@ -2815,7 +2815,7 @@
             </a:ln>
             <a:extLst>
               <a:ext uri="{91240B29-F687-4f45-9708-019B960494DF}">
-                <a14:hiddenLine xmlns:a14="http://schemas.microsoft.com/office/drawing/2010/main" xmlns="" w="9525">
+                <a14:hiddenLine xmlns="" xmlns:a14="http://schemas.microsoft.com/office/drawing/2010/main" w="9525">
                   <a:solidFill>
                     <a:srgbClr val="000000"/>
                   </a:solidFill>
@@ -2883,7 +2883,7 @@
             </a:ln>
             <a:extLst>
               <a:ext uri="{91240B29-F687-4f45-9708-019B960494DF}">
-                <a14:hiddenLine xmlns:a14="http://schemas.microsoft.com/office/drawing/2010/main" xmlns="" w="9525">
+                <a14:hiddenLine xmlns="" xmlns:a14="http://schemas.microsoft.com/office/drawing/2010/main" w="9525">
                   <a:solidFill>
                     <a:srgbClr val="000000"/>
                   </a:solidFill>
@@ -2973,7 +2973,7 @@
             </a:ln>
             <a:extLst>
               <a:ext uri="{91240B29-F687-4f45-9708-019B960494DF}">
-                <a14:hiddenLine xmlns:a14="http://schemas.microsoft.com/office/drawing/2010/main" xmlns="" w="9525">
+                <a14:hiddenLine xmlns="" xmlns:a14="http://schemas.microsoft.com/office/drawing/2010/main" w="9525">
                   <a:solidFill>
                     <a:srgbClr val="000000"/>
                   </a:solidFill>
@@ -3007,7 +3007,7 @@
             </a:ln>
             <a:extLst>
               <a:ext uri="{91240B29-F687-4f45-9708-019B960494DF}">
-                <a14:hiddenLine xmlns:a14="http://schemas.microsoft.com/office/drawing/2010/main" xmlns="" w="9525">
+                <a14:hiddenLine xmlns="" xmlns:a14="http://schemas.microsoft.com/office/drawing/2010/main" w="9525">
                   <a:solidFill>
                     <a:srgbClr val="000000"/>
                   </a:solidFill>
@@ -3097,7 +3097,7 @@
             </a:ln>
             <a:extLst>
               <a:ext uri="{91240B29-F687-4f45-9708-019B960494DF}">
-                <a14:hiddenLine xmlns:a14="http://schemas.microsoft.com/office/drawing/2010/main" xmlns="" w="9525">
+                <a14:hiddenLine xmlns="" xmlns:a14="http://schemas.microsoft.com/office/drawing/2010/main" w="9525">
                   <a:solidFill>
                     <a:srgbClr val="000000"/>
                   </a:solidFill>
@@ -3159,7 +3159,7 @@
             </a:ln>
             <a:extLst>
               <a:ext uri="{91240B29-F687-4f45-9708-019B960494DF}">
-                <a14:hiddenLine xmlns:a14="http://schemas.microsoft.com/office/drawing/2010/main" xmlns="" w="9525">
+                <a14:hiddenLine xmlns="" xmlns:a14="http://schemas.microsoft.com/office/drawing/2010/main" w="9525">
                   <a:solidFill>
                     <a:srgbClr val="000000"/>
                   </a:solidFill>
@@ -3221,7 +3221,7 @@
             </a:ln>
             <a:extLst>
               <a:ext uri="{91240B29-F687-4f45-9708-019B960494DF}">
-                <a14:hiddenLine xmlns:a14="http://schemas.microsoft.com/office/drawing/2010/main" xmlns="" w="9525">
+                <a14:hiddenLine xmlns="" xmlns:a14="http://schemas.microsoft.com/office/drawing/2010/main" w="9525">
                   <a:solidFill>
                     <a:srgbClr val="000000"/>
                   </a:solidFill>
@@ -3311,7 +3311,7 @@
             </a:ln>
             <a:extLst>
               <a:ext uri="{91240B29-F687-4f45-9708-019B960494DF}">
-                <a14:hiddenLine xmlns:a14="http://schemas.microsoft.com/office/drawing/2010/main" xmlns="" w="9525">
+                <a14:hiddenLine xmlns="" xmlns:a14="http://schemas.microsoft.com/office/drawing/2010/main" w="9525">
                   <a:solidFill>
                     <a:srgbClr val="000000"/>
                   </a:solidFill>
@@ -3379,7 +3379,7 @@
             </a:ln>
             <a:extLst>
               <a:ext uri="{91240B29-F687-4f45-9708-019B960494DF}">
-                <a14:hiddenLine xmlns:a14="http://schemas.microsoft.com/office/drawing/2010/main" xmlns="" w="9525">
+                <a14:hiddenLine xmlns="" xmlns:a14="http://schemas.microsoft.com/office/drawing/2010/main" w="9525">
                   <a:solidFill>
                     <a:srgbClr val="000000"/>
                   </a:solidFill>
@@ -3441,7 +3441,7 @@
             </a:ln>
             <a:extLst>
               <a:ext uri="{91240B29-F687-4f45-9708-019B960494DF}">
-                <a14:hiddenLine xmlns:a14="http://schemas.microsoft.com/office/drawing/2010/main" xmlns="" w="9525">
+                <a14:hiddenLine xmlns="" xmlns:a14="http://schemas.microsoft.com/office/drawing/2010/main" w="9525">
                   <a:solidFill>
                     <a:srgbClr val="000000"/>
                   </a:solidFill>
@@ -3531,7 +3531,7 @@
             </a:ln>
             <a:extLst>
               <a:ext uri="{91240B29-F687-4f45-9708-019B960494DF}">
-                <a14:hiddenLine xmlns:a14="http://schemas.microsoft.com/office/drawing/2010/main" xmlns="" w="9525">
+                <a14:hiddenLine xmlns="" xmlns:a14="http://schemas.microsoft.com/office/drawing/2010/main" w="9525">
                   <a:solidFill>
                     <a:srgbClr val="000000"/>
                   </a:solidFill>
@@ -3593,7 +3593,7 @@
             </a:ln>
             <a:extLst>
               <a:ext uri="{91240B29-F687-4f45-9708-019B960494DF}">
-                <a14:hiddenLine xmlns:a14="http://schemas.microsoft.com/office/drawing/2010/main" xmlns="" w="9525">
+                <a14:hiddenLine xmlns="" xmlns:a14="http://schemas.microsoft.com/office/drawing/2010/main" w="9525">
                   <a:solidFill>
                     <a:srgbClr val="000000"/>
                   </a:solidFill>
@@ -3683,7 +3683,7 @@
             </a:ln>
             <a:extLst>
               <a:ext uri="{91240B29-F687-4f45-9708-019B960494DF}">
-                <a14:hiddenLine xmlns:a14="http://schemas.microsoft.com/office/drawing/2010/main" xmlns="" w="9525">
+                <a14:hiddenLine xmlns="" xmlns:a14="http://schemas.microsoft.com/office/drawing/2010/main" w="9525">
                   <a:solidFill>
                     <a:srgbClr val="000000"/>
                   </a:solidFill>
@@ -3745,7 +3745,7 @@
             </a:ln>
             <a:extLst>
               <a:ext uri="{91240B29-F687-4f45-9708-019B960494DF}">
-                <a14:hiddenLine xmlns:a14="http://schemas.microsoft.com/office/drawing/2010/main" xmlns="" w="9525">
+                <a14:hiddenLine xmlns="" xmlns:a14="http://schemas.microsoft.com/office/drawing/2010/main" w="9525">
                   <a:solidFill>
                     <a:srgbClr val="000000"/>
                   </a:solidFill>
@@ -3835,7 +3835,7 @@
             </a:ln>
             <a:extLst>
               <a:ext uri="{91240B29-F687-4f45-9708-019B960494DF}">
-                <a14:hiddenLine xmlns:a14="http://schemas.microsoft.com/office/drawing/2010/main" xmlns="" w="9525">
+                <a14:hiddenLine xmlns="" xmlns:a14="http://schemas.microsoft.com/office/drawing/2010/main" w="9525">
                   <a:solidFill>
                     <a:srgbClr val="000000"/>
                   </a:solidFill>
@@ -3869,7 +3869,7 @@
             </a:ln>
             <a:extLst>
               <a:ext uri="{91240B29-F687-4f45-9708-019B960494DF}">
-                <a14:hiddenLine xmlns:a14="http://schemas.microsoft.com/office/drawing/2010/main" xmlns="" w="9525">
+                <a14:hiddenLine xmlns="" xmlns:a14="http://schemas.microsoft.com/office/drawing/2010/main" w="9525">
                   <a:solidFill>
                     <a:srgbClr val="000000"/>
                   </a:solidFill>
@@ -3934,7 +3934,7 @@
             </a:ln>
             <a:extLst>
               <a:ext uri="{91240B29-F687-4f45-9708-019B960494DF}">
-                <a14:hiddenLine xmlns:a14="http://schemas.microsoft.com/office/drawing/2010/main" xmlns="" w="9525">
+                <a14:hiddenLine xmlns="" xmlns:a14="http://schemas.microsoft.com/office/drawing/2010/main" w="9525">
                   <a:solidFill>
                     <a:srgbClr val="000000"/>
                   </a:solidFill>
@@ -4024,7 +4024,7 @@
             </a:ln>
             <a:extLst>
               <a:ext uri="{91240B29-F687-4f45-9708-019B960494DF}">
-                <a14:hiddenLine xmlns:a14="http://schemas.microsoft.com/office/drawing/2010/main" xmlns="" w="9525">
+                <a14:hiddenLine xmlns="" xmlns:a14="http://schemas.microsoft.com/office/drawing/2010/main" w="9525">
                   <a:solidFill>
                     <a:srgbClr val="000000"/>
                   </a:solidFill>
@@ -4086,7 +4086,7 @@
             </a:ln>
             <a:extLst>
               <a:ext uri="{91240B29-F687-4f45-9708-019B960494DF}">
-                <a14:hiddenLine xmlns:a14="http://schemas.microsoft.com/office/drawing/2010/main" xmlns="" w="9525">
+                <a14:hiddenLine xmlns="" xmlns:a14="http://schemas.microsoft.com/office/drawing/2010/main" w="9525">
                   <a:solidFill>
                     <a:srgbClr val="000000"/>
                   </a:solidFill>
@@ -4176,7 +4176,7 @@
             </a:ln>
             <a:extLst>
               <a:ext uri="{91240B29-F687-4f45-9708-019B960494DF}">
-                <a14:hiddenLine xmlns:a14="http://schemas.microsoft.com/office/drawing/2010/main" xmlns="" w="9525">
+                <a14:hiddenLine xmlns="" xmlns:a14="http://schemas.microsoft.com/office/drawing/2010/main" w="9525">
                   <a:solidFill>
                     <a:srgbClr val="000000"/>
                   </a:solidFill>
@@ -4266,7 +4266,7 @@
             </a:ln>
             <a:extLst>
               <a:ext uri="{91240B29-F687-4f45-9708-019B960494DF}">
-                <a14:hiddenLine xmlns:a14="http://schemas.microsoft.com/office/drawing/2010/main" xmlns="" w="9525">
+                <a14:hiddenLine xmlns="" xmlns:a14="http://schemas.microsoft.com/office/drawing/2010/main" w="9525">
                   <a:solidFill>
                     <a:srgbClr val="000000"/>
                   </a:solidFill>
@@ -4331,7 +4331,7 @@
             </a:ln>
             <a:extLst>
               <a:ext uri="{91240B29-F687-4f45-9708-019B960494DF}">
-                <a14:hiddenLine xmlns:a14="http://schemas.microsoft.com/office/drawing/2010/main" xmlns="" w="9525">
+                <a14:hiddenLine xmlns="" xmlns:a14="http://schemas.microsoft.com/office/drawing/2010/main" w="9525">
                   <a:solidFill>
                     <a:srgbClr val="000000"/>
                   </a:solidFill>
@@ -4393,7 +4393,7 @@
             </a:ln>
             <a:extLst>
               <a:ext uri="{91240B29-F687-4f45-9708-019B960494DF}">
-                <a14:hiddenLine xmlns:a14="http://schemas.microsoft.com/office/drawing/2010/main" xmlns="" w="9525">
+                <a14:hiddenLine xmlns="" xmlns:a14="http://schemas.microsoft.com/office/drawing/2010/main" w="9525">
                   <a:solidFill>
                     <a:srgbClr val="000000"/>
                   </a:solidFill>
@@ -4483,7 +4483,7 @@
             </a:ln>
             <a:extLst>
               <a:ext uri="{91240B29-F687-4f45-9708-019B960494DF}">
-                <a14:hiddenLine xmlns:a14="http://schemas.microsoft.com/office/drawing/2010/main" xmlns="" w="9525">
+                <a14:hiddenLine xmlns="" xmlns:a14="http://schemas.microsoft.com/office/drawing/2010/main" w="9525">
                   <a:solidFill>
                     <a:srgbClr val="000000"/>
                   </a:solidFill>
@@ -4573,7 +4573,7 @@
             </a:ln>
             <a:extLst>
               <a:ext uri="{91240B29-F687-4f45-9708-019B960494DF}">
-                <a14:hiddenLine xmlns:a14="http://schemas.microsoft.com/office/drawing/2010/main" xmlns="" w="9525">
+                <a14:hiddenLine xmlns="" xmlns:a14="http://schemas.microsoft.com/office/drawing/2010/main" w="9525">
                   <a:solidFill>
                     <a:srgbClr val="000000"/>
                   </a:solidFill>
@@ -4635,7 +4635,7 @@
             </a:ln>
             <a:extLst>
               <a:ext uri="{91240B29-F687-4f45-9708-019B960494DF}">
-                <a14:hiddenLine xmlns:a14="http://schemas.microsoft.com/office/drawing/2010/main" xmlns="" w="9525">
+                <a14:hiddenLine xmlns="" xmlns:a14="http://schemas.microsoft.com/office/drawing/2010/main" w="9525">
                   <a:solidFill>
                     <a:srgbClr val="000000"/>
                   </a:solidFill>
@@ -4755,7 +4755,7 @@
             </a:ln>
             <a:extLst>
               <a:ext uri="{91240B29-F687-4f45-9708-019B960494DF}">
-                <a14:hiddenLine xmlns:a14="http://schemas.microsoft.com/office/drawing/2010/main" xmlns="" w="9525">
+                <a14:hiddenLine xmlns="" xmlns:a14="http://schemas.microsoft.com/office/drawing/2010/main" w="9525">
                   <a:solidFill>
                     <a:srgbClr val="000000"/>
                   </a:solidFill>
@@ -4823,7 +4823,7 @@
             </a:ln>
             <a:extLst>
               <a:ext uri="{91240B29-F687-4f45-9708-019B960494DF}">
-                <a14:hiddenLine xmlns:a14="http://schemas.microsoft.com/office/drawing/2010/main" xmlns="" w="9525">
+                <a14:hiddenLine xmlns="" xmlns:a14="http://schemas.microsoft.com/office/drawing/2010/main" w="9525">
                   <a:solidFill>
                     <a:srgbClr val="000000"/>
                   </a:solidFill>
@@ -4913,7 +4913,7 @@
             </a:ln>
             <a:extLst>
               <a:ext uri="{91240B29-F687-4f45-9708-019B960494DF}">
-                <a14:hiddenLine xmlns:a14="http://schemas.microsoft.com/office/drawing/2010/main" xmlns="" w="9525">
+                <a14:hiddenLine xmlns="" xmlns:a14="http://schemas.microsoft.com/office/drawing/2010/main" w="9525">
                   <a:solidFill>
                     <a:srgbClr val="000000"/>
                   </a:solidFill>
@@ -9778,7 +9778,7 @@
           <a:noFill/>
           <a:extLst>
             <a:ext uri="{909E8E84-426E-40dd-AFC4-6F175D3DCCD1}">
-              <a14:hiddenFill xmlns:a14="http://schemas.microsoft.com/office/drawing/2010/main" xmlns="">
+              <a14:hiddenFill xmlns="" xmlns:a14="http://schemas.microsoft.com/office/drawing/2010/main">
                 <a:solidFill>
                   <a:srgbClr val="FFFFFF"/>
                 </a:solidFill>
@@ -9852,7 +9852,7 @@
               </a:ln>
               <a:extLst>
                 <a:ext uri="{91240B29-F687-4f45-9708-019B960494DF}">
-                  <a14:hiddenLine xmlns:a14="http://schemas.microsoft.com/office/drawing/2010/main" xmlns="" w="9525">
+                  <a14:hiddenLine xmlns="" xmlns:a14="http://schemas.microsoft.com/office/drawing/2010/main" w="9525">
                     <a:solidFill>
                       <a:srgbClr val="000000"/>
                     </a:solidFill>
@@ -9942,7 +9942,7 @@
               </a:ln>
               <a:extLst>
                 <a:ext uri="{91240B29-F687-4f45-9708-019B960494DF}">
-                  <a14:hiddenLine xmlns:a14="http://schemas.microsoft.com/office/drawing/2010/main" xmlns="" w="9525">
+                  <a14:hiddenLine xmlns="" xmlns:a14="http://schemas.microsoft.com/office/drawing/2010/main" w="9525">
                     <a:solidFill>
                       <a:srgbClr val="000000"/>
                     </a:solidFill>
@@ -10032,7 +10032,7 @@
               </a:ln>
               <a:extLst>
                 <a:ext uri="{91240B29-F687-4f45-9708-019B960494DF}">
-                  <a14:hiddenLine xmlns:a14="http://schemas.microsoft.com/office/drawing/2010/main" xmlns="" w="9525">
+                  <a14:hiddenLine xmlns="" xmlns:a14="http://schemas.microsoft.com/office/drawing/2010/main" w="9525">
                     <a:solidFill>
                       <a:srgbClr val="000000"/>
                     </a:solidFill>
@@ -10094,7 +10094,7 @@
               </a:ln>
               <a:extLst>
                 <a:ext uri="{91240B29-F687-4f45-9708-019B960494DF}">
-                  <a14:hiddenLine xmlns:a14="http://schemas.microsoft.com/office/drawing/2010/main" xmlns="" w="9525">
+                  <a14:hiddenLine xmlns="" xmlns:a14="http://schemas.microsoft.com/office/drawing/2010/main" w="9525">
                     <a:solidFill>
                       <a:srgbClr val="000000"/>
                     </a:solidFill>
@@ -10184,7 +10184,7 @@
               </a:ln>
               <a:extLst>
                 <a:ext uri="{91240B29-F687-4f45-9708-019B960494DF}">
-                  <a14:hiddenLine xmlns:a14="http://schemas.microsoft.com/office/drawing/2010/main" xmlns="" w="9525">
+                  <a14:hiddenLine xmlns="" xmlns:a14="http://schemas.microsoft.com/office/drawing/2010/main" w="9525">
                     <a:solidFill>
                       <a:srgbClr val="000000"/>
                     </a:solidFill>
@@ -10246,7 +10246,7 @@
               </a:ln>
               <a:extLst>
                 <a:ext uri="{91240B29-F687-4f45-9708-019B960494DF}">
-                  <a14:hiddenLine xmlns:a14="http://schemas.microsoft.com/office/drawing/2010/main" xmlns="" w="9525">
+                  <a14:hiddenLine xmlns="" xmlns:a14="http://schemas.microsoft.com/office/drawing/2010/main" w="9525">
                     <a:solidFill>
                       <a:srgbClr val="000000"/>
                     </a:solidFill>
@@ -10308,7 +10308,7 @@
               </a:ln>
               <a:extLst>
                 <a:ext uri="{91240B29-F687-4f45-9708-019B960494DF}">
-                  <a14:hiddenLine xmlns:a14="http://schemas.microsoft.com/office/drawing/2010/main" xmlns="" w="9525">
+                  <a14:hiddenLine xmlns="" xmlns:a14="http://schemas.microsoft.com/office/drawing/2010/main" w="9525">
                     <a:solidFill>
                       <a:srgbClr val="000000"/>
                     </a:solidFill>
@@ -10398,7 +10398,7 @@
               </a:ln>
               <a:extLst>
                 <a:ext uri="{91240B29-F687-4f45-9708-019B960494DF}">
-                  <a14:hiddenLine xmlns:a14="http://schemas.microsoft.com/office/drawing/2010/main" xmlns="" w="9525">
+                  <a14:hiddenLine xmlns="" xmlns:a14="http://schemas.microsoft.com/office/drawing/2010/main" w="9525">
                     <a:solidFill>
                       <a:srgbClr val="000000"/>
                     </a:solidFill>
@@ -10488,7 +10488,7 @@
               </a:ln>
               <a:extLst>
                 <a:ext uri="{91240B29-F687-4f45-9708-019B960494DF}">
-                  <a14:hiddenLine xmlns:a14="http://schemas.microsoft.com/office/drawing/2010/main" xmlns="" w="9525">
+                  <a14:hiddenLine xmlns="" xmlns:a14="http://schemas.microsoft.com/office/drawing/2010/main" w="9525">
                     <a:solidFill>
                       <a:srgbClr val="000000"/>
                     </a:solidFill>
@@ -10550,7 +10550,7 @@
               </a:ln>
               <a:extLst>
                 <a:ext uri="{91240B29-F687-4f45-9708-019B960494DF}">
-                  <a14:hiddenLine xmlns:a14="http://schemas.microsoft.com/office/drawing/2010/main" xmlns="" w="9525">
+                  <a14:hiddenLine xmlns="" xmlns:a14="http://schemas.microsoft.com/office/drawing/2010/main" w="9525">
                     <a:solidFill>
                       <a:srgbClr val="000000"/>
                     </a:solidFill>
@@ -10660,7 +10660,7 @@
               </a:ln>
               <a:extLst>
                 <a:ext uri="{91240B29-F687-4f45-9708-019B960494DF}">
-                  <a14:hiddenLine xmlns:a14="http://schemas.microsoft.com/office/drawing/2010/main" xmlns="" w="9525">
+                  <a14:hiddenLine xmlns="" xmlns:a14="http://schemas.microsoft.com/office/drawing/2010/main" w="9525">
                     <a:solidFill>
                       <a:srgbClr val="000000"/>
                     </a:solidFill>
@@ -10744,7 +10744,7 @@
               </a:ln>
               <a:extLst>
                 <a:ext uri="{91240B29-F687-4f45-9708-019B960494DF}">
-                  <a14:hiddenLine xmlns:a14="http://schemas.microsoft.com/office/drawing/2010/main" xmlns="" w="9525">
+                  <a14:hiddenLine xmlns="" xmlns:a14="http://schemas.microsoft.com/office/drawing/2010/main" w="9525">
                     <a:solidFill>
                       <a:srgbClr val="000000"/>
                     </a:solidFill>
@@ -10806,7 +10806,7 @@
               </a:ln>
               <a:extLst>
                 <a:ext uri="{91240B29-F687-4f45-9708-019B960494DF}">
-                  <a14:hiddenLine xmlns:a14="http://schemas.microsoft.com/office/drawing/2010/main" xmlns="" w="9525">
+                  <a14:hiddenLine xmlns="" xmlns:a14="http://schemas.microsoft.com/office/drawing/2010/main" w="9525">
                     <a:solidFill>
                       <a:srgbClr val="000000"/>
                     </a:solidFill>
@@ -10868,7 +10868,7 @@
               </a:ln>
               <a:extLst>
                 <a:ext uri="{91240B29-F687-4f45-9708-019B960494DF}">
-                  <a14:hiddenLine xmlns:a14="http://schemas.microsoft.com/office/drawing/2010/main" xmlns="" w="9525">
+                  <a14:hiddenLine xmlns="" xmlns:a14="http://schemas.microsoft.com/office/drawing/2010/main" w="9525">
                     <a:solidFill>
                       <a:srgbClr val="000000"/>
                     </a:solidFill>
@@ -10958,7 +10958,7 @@
               </a:ln>
               <a:extLst>
                 <a:ext uri="{91240B29-F687-4f45-9708-019B960494DF}">
-                  <a14:hiddenLine xmlns:a14="http://schemas.microsoft.com/office/drawing/2010/main" xmlns="" w="9525">
+                  <a14:hiddenLine xmlns="" xmlns:a14="http://schemas.microsoft.com/office/drawing/2010/main" w="9525">
                     <a:solidFill>
                       <a:srgbClr val="000000"/>
                     </a:solidFill>
@@ -10992,7 +10992,7 @@
               </a:ln>
               <a:extLst>
                 <a:ext uri="{91240B29-F687-4f45-9708-019B960494DF}">
-                  <a14:hiddenLine xmlns:a14="http://schemas.microsoft.com/office/drawing/2010/main" xmlns="" w="9525">
+                  <a14:hiddenLine xmlns="" xmlns:a14="http://schemas.microsoft.com/office/drawing/2010/main" w="9525">
                     <a:solidFill>
                       <a:srgbClr val="000000"/>
                     </a:solidFill>
@@ -11057,7 +11057,7 @@
               </a:ln>
               <a:extLst>
                 <a:ext uri="{91240B29-F687-4f45-9708-019B960494DF}">
-                  <a14:hiddenLine xmlns:a14="http://schemas.microsoft.com/office/drawing/2010/main" xmlns="" w="9525">
+                  <a14:hiddenLine xmlns="" xmlns:a14="http://schemas.microsoft.com/office/drawing/2010/main" w="9525">
                     <a:solidFill>
                       <a:srgbClr val="000000"/>
                     </a:solidFill>
@@ -11147,7 +11147,7 @@
               </a:ln>
               <a:extLst>
                 <a:ext uri="{91240B29-F687-4f45-9708-019B960494DF}">
-                  <a14:hiddenLine xmlns:a14="http://schemas.microsoft.com/office/drawing/2010/main" xmlns="" w="9525">
+                  <a14:hiddenLine xmlns="" xmlns:a14="http://schemas.microsoft.com/office/drawing/2010/main" w="9525">
                     <a:solidFill>
                       <a:srgbClr val="000000"/>
                     </a:solidFill>
@@ -11209,7 +11209,7 @@
               </a:ln>
               <a:extLst>
                 <a:ext uri="{91240B29-F687-4f45-9708-019B960494DF}">
-                  <a14:hiddenLine xmlns:a14="http://schemas.microsoft.com/office/drawing/2010/main" xmlns="" w="9525">
+                  <a14:hiddenLine xmlns="" xmlns:a14="http://schemas.microsoft.com/office/drawing/2010/main" w="9525">
                     <a:solidFill>
                       <a:srgbClr val="000000"/>
                     </a:solidFill>
@@ -11299,7 +11299,7 @@
               </a:ln>
               <a:extLst>
                 <a:ext uri="{91240B29-F687-4f45-9708-019B960494DF}">
-                  <a14:hiddenLine xmlns:a14="http://schemas.microsoft.com/office/drawing/2010/main" xmlns="" w="9525">
+                  <a14:hiddenLine xmlns="" xmlns:a14="http://schemas.microsoft.com/office/drawing/2010/main" w="9525">
                     <a:solidFill>
                       <a:srgbClr val="000000"/>
                     </a:solidFill>
@@ -11364,7 +11364,7 @@
               </a:ln>
               <a:extLst>
                 <a:ext uri="{91240B29-F687-4f45-9708-019B960494DF}">
-                  <a14:hiddenLine xmlns:a14="http://schemas.microsoft.com/office/drawing/2010/main" xmlns="" w="9525">
+                  <a14:hiddenLine xmlns="" xmlns:a14="http://schemas.microsoft.com/office/drawing/2010/main" w="9525">
                     <a:solidFill>
                       <a:srgbClr val="000000"/>
                     </a:solidFill>
@@ -11426,7 +11426,7 @@
               </a:ln>
               <a:extLst>
                 <a:ext uri="{91240B29-F687-4f45-9708-019B960494DF}">
-                  <a14:hiddenLine xmlns:a14="http://schemas.microsoft.com/office/drawing/2010/main" xmlns="" w="9525">
+                  <a14:hiddenLine xmlns="" xmlns:a14="http://schemas.microsoft.com/office/drawing/2010/main" w="9525">
                     <a:solidFill>
                       <a:srgbClr val="000000"/>
                     </a:solidFill>
@@ -11516,7 +11516,7 @@
               </a:ln>
               <a:extLst>
                 <a:ext uri="{91240B29-F687-4f45-9708-019B960494DF}">
-                  <a14:hiddenLine xmlns:a14="http://schemas.microsoft.com/office/drawing/2010/main" xmlns="" w="9525">
+                  <a14:hiddenLine xmlns="" xmlns:a14="http://schemas.microsoft.com/office/drawing/2010/main" w="9525">
                     <a:solidFill>
                       <a:srgbClr val="000000"/>
                     </a:solidFill>
@@ -11606,7 +11606,7 @@
               </a:ln>
               <a:extLst>
                 <a:ext uri="{91240B29-F687-4f45-9708-019B960494DF}">
-                  <a14:hiddenLine xmlns:a14="http://schemas.microsoft.com/office/drawing/2010/main" xmlns="" w="9525">
+                  <a14:hiddenLine xmlns="" xmlns:a14="http://schemas.microsoft.com/office/drawing/2010/main" w="9525">
                     <a:solidFill>
                       <a:srgbClr val="000000"/>
                     </a:solidFill>
@@ -11671,7 +11671,7 @@
               </a:ln>
               <a:extLst>
                 <a:ext uri="{91240B29-F687-4f45-9708-019B960494DF}">
-                  <a14:hiddenLine xmlns:a14="http://schemas.microsoft.com/office/drawing/2010/main" xmlns="" w="9525">
+                  <a14:hiddenLine xmlns="" xmlns:a14="http://schemas.microsoft.com/office/drawing/2010/main" w="9525">
                     <a:solidFill>
                       <a:srgbClr val="000000"/>
                     </a:solidFill>
@@ -11791,7 +11791,7 @@
               </a:ln>
               <a:extLst>
                 <a:ext uri="{91240B29-F687-4f45-9708-019B960494DF}">
-                  <a14:hiddenLine xmlns:a14="http://schemas.microsoft.com/office/drawing/2010/main" xmlns="" w="9525">
+                  <a14:hiddenLine xmlns="" xmlns:a14="http://schemas.microsoft.com/office/drawing/2010/main" w="9525">
                     <a:solidFill>
                       <a:srgbClr val="000000"/>
                     </a:solidFill>
@@ -11872,7 +11872,7 @@
               </a:ln>
               <a:extLst>
                 <a:ext uri="{91240B29-F687-4f45-9708-019B960494DF}">
-                  <a14:hiddenLine xmlns:a14="http://schemas.microsoft.com/office/drawing/2010/main" xmlns="" w="9525">
+                  <a14:hiddenLine xmlns="" xmlns:a14="http://schemas.microsoft.com/office/drawing/2010/main" w="9525">
                     <a:solidFill>
                       <a:srgbClr val="000000"/>
                     </a:solidFill>
@@ -11987,7 +11987,7 @@
               </a:ln>
               <a:extLst>
                 <a:ext uri="{91240B29-F687-4f45-9708-019B960494DF}">
-                  <a14:hiddenLine xmlns:a14="http://schemas.microsoft.com/office/drawing/2010/main" xmlns="" w="9525">
+                  <a14:hiddenLine xmlns="" xmlns:a14="http://schemas.microsoft.com/office/drawing/2010/main" w="9525">
                     <a:solidFill>
                       <a:srgbClr val="000000"/>
                     </a:solidFill>
@@ -12077,7 +12077,7 @@
               </a:ln>
               <a:extLst>
                 <a:ext uri="{91240B29-F687-4f45-9708-019B960494DF}">
-                  <a14:hiddenLine xmlns:a14="http://schemas.microsoft.com/office/drawing/2010/main" xmlns="" w="9525">
+                  <a14:hiddenLine xmlns="" xmlns:a14="http://schemas.microsoft.com/office/drawing/2010/main" w="9525">
                     <a:solidFill>
                       <a:srgbClr val="000000"/>
                     </a:solidFill>
@@ -12142,7 +12142,7 @@
               </a:ln>
               <a:extLst>
                 <a:ext uri="{91240B29-F687-4f45-9708-019B960494DF}">
-                  <a14:hiddenLine xmlns:a14="http://schemas.microsoft.com/office/drawing/2010/main" xmlns="" w="9525">
+                  <a14:hiddenLine xmlns="" xmlns:a14="http://schemas.microsoft.com/office/drawing/2010/main" w="9525">
                     <a:solidFill>
                       <a:srgbClr val="000000"/>
                     </a:solidFill>
@@ -12232,7 +12232,7 @@
               </a:ln>
               <a:extLst>
                 <a:ext uri="{91240B29-F687-4f45-9708-019B960494DF}">
-                  <a14:hiddenLine xmlns:a14="http://schemas.microsoft.com/office/drawing/2010/main" xmlns="" w="9525">
+                  <a14:hiddenLine xmlns="" xmlns:a14="http://schemas.microsoft.com/office/drawing/2010/main" w="9525">
                     <a:solidFill>
                       <a:srgbClr val="000000"/>
                     </a:solidFill>
@@ -12300,7 +12300,7 @@
               </a:ln>
               <a:extLst>
                 <a:ext uri="{91240B29-F687-4f45-9708-019B960494DF}">
-                  <a14:hiddenLine xmlns:a14="http://schemas.microsoft.com/office/drawing/2010/main" xmlns="" w="9525">
+                  <a14:hiddenLine xmlns="" xmlns:a14="http://schemas.microsoft.com/office/drawing/2010/main" w="9525">
                     <a:solidFill>
                       <a:srgbClr val="000000"/>
                     </a:solidFill>
@@ -12390,7 +12390,7 @@
               </a:ln>
               <a:extLst>
                 <a:ext uri="{91240B29-F687-4f45-9708-019B960494DF}">
-                  <a14:hiddenLine xmlns:a14="http://schemas.microsoft.com/office/drawing/2010/main" xmlns="" w="9525">
+                  <a14:hiddenLine xmlns="" xmlns:a14="http://schemas.microsoft.com/office/drawing/2010/main" w="9525">
                     <a:solidFill>
                       <a:srgbClr val="000000"/>
                     </a:solidFill>
@@ -12458,7 +12458,7 @@
               </a:ln>
               <a:extLst>
                 <a:ext uri="{91240B29-F687-4f45-9708-019B960494DF}">
-                  <a14:hiddenLine xmlns:a14="http://schemas.microsoft.com/office/drawing/2010/main" xmlns="" w="9525">
+                  <a14:hiddenLine xmlns="" xmlns:a14="http://schemas.microsoft.com/office/drawing/2010/main" w="9525">
                     <a:solidFill>
                       <a:srgbClr val="000000"/>
                     </a:solidFill>
@@ -12548,7 +12548,7 @@
               </a:ln>
               <a:extLst>
                 <a:ext uri="{91240B29-F687-4f45-9708-019B960494DF}">
-                  <a14:hiddenLine xmlns:a14="http://schemas.microsoft.com/office/drawing/2010/main" xmlns="" w="9525">
+                  <a14:hiddenLine xmlns="" xmlns:a14="http://schemas.microsoft.com/office/drawing/2010/main" w="9525">
                     <a:solidFill>
                       <a:srgbClr val="000000"/>
                     </a:solidFill>
@@ -12582,7 +12582,7 @@
               </a:ln>
               <a:extLst>
                 <a:ext uri="{91240B29-F687-4f45-9708-019B960494DF}">
-                  <a14:hiddenLine xmlns:a14="http://schemas.microsoft.com/office/drawing/2010/main" xmlns="" w="9525">
+                  <a14:hiddenLine xmlns="" xmlns:a14="http://schemas.microsoft.com/office/drawing/2010/main" w="9525">
                     <a:solidFill>
                       <a:srgbClr val="000000"/>
                     </a:solidFill>
@@ -13249,6 +13249,7 @@
             <a:off x="4309349" y="3429000"/>
             <a:ext cx="7501651" cy="1090938"/>
           </a:xfrm>
+          <a:noFill/>
         </p:spPr>
         <p:txBody>
           <a:bodyPr rtlCol="0" anchor="b">
@@ -13259,16 +13260,11 @@
             <a:pPr algn="l"/>
             <a:r>
               <a:rPr lang="zh-CN" altLang="en-US" sz="4200" dirty="0">
-                <a:ln>
-                  <a:solidFill>
-                    <a:schemeClr val="accent2">
-                      <a:lumMod val="40000"/>
-                      <a:lumOff val="60000"/>
-                    </a:schemeClr>
-                  </a:solidFill>
-                </a:ln>
-                <a:latin typeface="方正字迹-默陌信笺简体" panose="02010600010101010101" pitchFamily="2" charset="-122"/>
-                <a:ea typeface="方正字迹-默陌信笺简体" panose="02010600010101010101" pitchFamily="2" charset="-122"/>
+                <a:solidFill>
+                  <a:schemeClr val="bg1"/>
+                </a:solidFill>
+                <a:latin typeface="HanziPen SC" panose="03000300000000000000" pitchFamily="66" charset="-122"/>
+                <a:ea typeface="HanziPen SC" panose="03000300000000000000" pitchFamily="66" charset="-122"/>
               </a:rPr>
               <a:t>跨注册中心服务调用实现方案</a:t>
             </a:r>
@@ -13306,72 +13302,40 @@
             <a:pPr algn="r" rtl="0"/>
             <a:r>
               <a:rPr lang="en-US" altLang="zh-CN" dirty="0">
-                <a:ln>
-                  <a:solidFill>
-                    <a:schemeClr val="accent2">
-                      <a:lumMod val="20000"/>
-                      <a:lumOff val="80000"/>
-                    </a:schemeClr>
-                  </a:solidFill>
-                </a:ln>
                 <a:solidFill>
                   <a:srgbClr val="FFFFFF"/>
                 </a:solidFill>
-                <a:latin typeface="方正字迹-默陌信笺简体" panose="02010600010101010101" pitchFamily="2" charset="-122"/>
-                <a:ea typeface="方正字迹-默陌信笺简体" panose="02010600010101010101" pitchFamily="2" charset="-122"/>
+                <a:latin typeface="HanziPen SC" panose="03000300000000000000" pitchFamily="66" charset="-122"/>
+                <a:ea typeface="HanziPen SC" panose="03000300000000000000" pitchFamily="66" charset="-122"/>
               </a:rPr>
               <a:t>—— </a:t>
             </a:r>
             <a:r>
               <a:rPr lang="zh-CN" altLang="en-US" dirty="0">
-                <a:ln>
-                  <a:solidFill>
-                    <a:schemeClr val="accent2">
-                      <a:lumMod val="20000"/>
-                      <a:lumOff val="80000"/>
-                    </a:schemeClr>
-                  </a:solidFill>
-                </a:ln>
                 <a:solidFill>
                   <a:srgbClr val="FFFFFF"/>
                 </a:solidFill>
-                <a:latin typeface="方正字迹-默陌信笺简体" panose="02010600010101010101" pitchFamily="2" charset="-122"/>
-                <a:ea typeface="方正字迹-默陌信笺简体" panose="02010600010101010101" pitchFamily="2" charset="-122"/>
+                <a:latin typeface="HanziPen SC" panose="03000300000000000000" pitchFamily="66" charset="-122"/>
+                <a:ea typeface="HanziPen SC" panose="03000300000000000000" pitchFamily="66" charset="-122"/>
               </a:rPr>
               <a:t>请回答</a:t>
             </a:r>
             <a:r>
               <a:rPr lang="en-US" altLang="zh-CN" dirty="0">
-                <a:ln>
-                  <a:solidFill>
-                    <a:schemeClr val="accent2">
-                      <a:lumMod val="20000"/>
-                      <a:lumOff val="80000"/>
-                    </a:schemeClr>
-                  </a:solidFill>
-                </a:ln>
                 <a:solidFill>
                   <a:srgbClr val="FFFFFF"/>
                 </a:solidFill>
-                <a:latin typeface="方正字迹-默陌信笺简体" panose="02010600010101010101" pitchFamily="2" charset="-122"/>
-                <a:ea typeface="方正字迹-默陌信笺简体" panose="02010600010101010101" pitchFamily="2" charset="-122"/>
+                <a:latin typeface="HanziPen SC" panose="03000300000000000000" pitchFamily="66" charset="-122"/>
+                <a:ea typeface="HanziPen SC" panose="03000300000000000000" pitchFamily="66" charset="-122"/>
               </a:rPr>
               <a:t>2022</a:t>
             </a:r>
             <a:endParaRPr lang="zh-CN" altLang="en-US" dirty="0">
-              <a:ln>
-                <a:solidFill>
-                  <a:schemeClr val="accent2">
-                    <a:lumMod val="20000"/>
-                    <a:lumOff val="80000"/>
-                  </a:schemeClr>
-                </a:solidFill>
-              </a:ln>
               <a:solidFill>
                 <a:srgbClr val="FFFFFF"/>
               </a:solidFill>
-              <a:latin typeface="方正字迹-默陌信笺简体" panose="02010600010101010101" pitchFamily="2" charset="-122"/>
-              <a:ea typeface="方正字迹-默陌信笺简体" panose="02010600010101010101" pitchFamily="2" charset="-122"/>
+              <a:latin typeface="HanziPen SC" panose="03000300000000000000" pitchFamily="66" charset="-122"/>
+              <a:ea typeface="HanziPen SC" panose="03000300000000000000" pitchFamily="66" charset="-122"/>
             </a:endParaRPr>
           </a:p>
         </p:txBody>
@@ -13398,10 +13362,9 @@
           </a:prstGeom>
           <a:ln w="25400">
             <a:solidFill>
-              <a:schemeClr val="accent2">
-                <a:lumMod val="75000"/>
-                <a:alpha val="40000"/>
-              </a:schemeClr>
+              <a:srgbClr val="00B0F0">
+                <a:alpha val="60048"/>
+              </a:srgbClr>
             </a:solidFill>
           </a:ln>
         </p:spPr>
@@ -14532,23 +14495,6 @@
 </file>
 
 <file path=customXml/item1.xml><?xml version="1.0" encoding="utf-8"?>
-<p:properties xmlns:p="http://schemas.microsoft.com/office/2006/metadata/properties" xmlns:xsi="http://www.w3.org/2001/XMLSchema-instance" xmlns:pc="http://schemas.microsoft.com/office/infopath/2007/PartnerControls">
-  <documentManagement>
-    <MediaServiceKeyPoints xmlns="71af3243-3dd4-4a8d-8c0d-dd76da1f02a5" xsi:nil="true"/>
-  </documentManagement>
-</p:properties>
-</file>
-
-<file path=customXml/item2.xml><?xml version="1.0" encoding="utf-8"?>
-<?mso-contentType ?>
-<FormTemplates xmlns="http://schemas.microsoft.com/sharepoint/v3/contenttype/forms">
-  <Display>DocumentLibraryForm</Display>
-  <Edit>DocumentLibraryForm</Edit>
-  <New>DocumentLibraryForm</New>
-</FormTemplates>
-</file>
-
-<file path=customXml/item3.xml><?xml version="1.0" encoding="utf-8"?>
 <ct:contentTypeSchema xmlns:ct="http://schemas.microsoft.com/office/2006/metadata/contentType" xmlns:ma="http://schemas.microsoft.com/office/2006/metadata/properties/metaAttributes" ct:_="" ma:_="" ma:contentTypeName="Document" ma:contentTypeID="0x01010079F111ED35F8CC479449609E8A0923A6" ma:contentTypeVersion="11" ma:contentTypeDescription="Create a new document." ma:contentTypeScope="" ma:versionID="9677210f24a1be23c92c90fd886aa0aa">
   <xsd:schema xmlns:xsd="http://www.w3.org/2001/XMLSchema" xmlns:xs="http://www.w3.org/2001/XMLSchema" xmlns:p="http://schemas.microsoft.com/office/2006/metadata/properties" xmlns:ns2="71af3243-3dd4-4a8d-8c0d-dd76da1f02a5" xmlns:ns3="16c05727-aa75-4e4a-9b5f-8a80a1165891" targetNamespace="http://schemas.microsoft.com/office/2006/metadata/properties" ma:root="true" ma:fieldsID="60e05723c5c1908df1a1a4ebf11d344e" ns2:_="" ns3:_="">
     <xsd:import namespace="71af3243-3dd4-4a8d-8c0d-dd76da1f02a5"/>
@@ -14759,25 +14705,24 @@
 </ct:contentTypeSchema>
 </file>
 
-<file path=customXml/itemProps1.xml><?xml version="1.0" encoding="utf-8"?>
-<ds:datastoreItem xmlns:ds="http://schemas.openxmlformats.org/officeDocument/2006/customXml" ds:itemID="{788A2F88-55C5-4ED1-9541-807C65424763}">
-  <ds:schemaRefs>
-    <ds:schemaRef ds:uri="http://schemas.microsoft.com/office/2006/metadata/properties"/>
-    <ds:schemaRef ds:uri="http://schemas.microsoft.com/office/infopath/2007/PartnerControls"/>
-    <ds:schemaRef ds:uri="71af3243-3dd4-4a8d-8c0d-dd76da1f02a5"/>
-  </ds:schemaRefs>
-</ds:datastoreItem>
+<file path=customXml/item2.xml><?xml version="1.0" encoding="utf-8"?>
+<?mso-contentType ?>
+<FormTemplates xmlns="http://schemas.microsoft.com/sharepoint/v3/contenttype/forms">
+  <Display>DocumentLibraryForm</Display>
+  <Edit>DocumentLibraryForm</Edit>
+  <New>DocumentLibraryForm</New>
+</FormTemplates>
 </file>
 
-<file path=customXml/itemProps2.xml><?xml version="1.0" encoding="utf-8"?>
-<ds:datastoreItem xmlns:ds="http://schemas.openxmlformats.org/officeDocument/2006/customXml" ds:itemID="{4F44C90D-2A62-4985-9618-3460247437B1}">
-  <ds:schemaRefs>
-    <ds:schemaRef ds:uri="http://schemas.microsoft.com/sharepoint/v3/contenttype/forms"/>
-  </ds:schemaRefs>
-</ds:datastoreItem>
+<file path=customXml/item3.xml><?xml version="1.0" encoding="utf-8"?>
+<p:properties xmlns:p="http://schemas.microsoft.com/office/2006/metadata/properties" xmlns:xsi="http://www.w3.org/2001/XMLSchema-instance" xmlns:pc="http://schemas.microsoft.com/office/infopath/2007/PartnerControls">
+  <documentManagement>
+    <MediaServiceKeyPoints xmlns="71af3243-3dd4-4a8d-8c0d-dd76da1f02a5" xsi:nil="true"/>
+  </documentManagement>
+</p:properties>
 </file>
 
-<file path=customXml/itemProps3.xml><?xml version="1.0" encoding="utf-8"?>
+<file path=customXml/itemProps1.xml><?xml version="1.0" encoding="utf-8"?>
 <ds:datastoreItem xmlns:ds="http://schemas.openxmlformats.org/officeDocument/2006/customXml" ds:itemID="{B61EAB5F-88FC-4FAE-AE3C-037A3C365EB8}">
   <ds:schemaRefs>
     <ds:schemaRef ds:uri="http://schemas.microsoft.com/office/2006/metadata/contentType"/>
@@ -14794,4 +14739,22 @@
     <ds:schemaRef ds:uri="http://schemas.microsoft.com/internal/obd"/>
   </ds:schemaRefs>
 </ds:datastoreItem>
+</file>
+
+<file path=customXml/itemProps2.xml><?xml version="1.0" encoding="utf-8"?>
+<ds:datastoreItem xmlns:ds="http://schemas.openxmlformats.org/officeDocument/2006/customXml" ds:itemID="{4F44C90D-2A62-4985-9618-3460247437B1}">
+  <ds:schemaRefs>
+    <ds:schemaRef ds:uri="http://schemas.microsoft.com/sharepoint/v3/contenttype/forms"/>
+  </ds:schemaRefs>
+</ds:datastoreItem>
+</file>
+
+<file path=customXml/itemProps3.xml><?xml version="1.0" encoding="utf-8"?>
+<ds:datastoreItem xmlns:ds="http://schemas.openxmlformats.org/officeDocument/2006/customXml" ds:itemID="{788A2F88-55C5-4ED1-9541-807C65424763}">
+  <ds:schemaRefs>
+    <ds:schemaRef ds:uri="http://schemas.microsoft.com/office/2006/metadata/properties"/>
+    <ds:schemaRef ds:uri="http://schemas.microsoft.com/office/infopath/2007/PartnerControls"/>
+    <ds:schemaRef ds:uri="71af3243-3dd4-4a8d-8c0d-dd76da1f02a5"/>
+  </ds:schemaRefs>
+</ds:datastoreItem>
 </file>